--- a/문서/기획/기획발표자료_수정.pptx
+++ b/문서/기획/기획발표자료_수정.pptx
@@ -215,7 +215,7 @@
           <a:p>
             <a:fld id="{497B84BF-55DB-437E-94F5-A22C9C10BB36}" type="datetimeFigureOut">
               <a:rPr lang="ko-KR" altLang="en-US" smtClean="0"/>
-              <a:t>2021-02-17</a:t>
+              <a:t>2021-02-24</a:t>
             </a:fld>
             <a:endParaRPr lang="ko-KR" altLang="en-US"/>
           </a:p>
@@ -695,7 +695,7 @@
           <a:p>
             <a:fld id="{EC732382-DC30-4253-AA32-BE09584069A6}" type="datetime1">
               <a:rPr lang="ko-KR" altLang="en-US" smtClean="0"/>
-              <a:t>2021-02-17</a:t>
+              <a:t>2021-02-24</a:t>
             </a:fld>
             <a:endParaRPr lang="ko-KR" altLang="en-US"/>
           </a:p>
@@ -863,7 +863,7 @@
           <a:p>
             <a:fld id="{9933DB9E-275D-40B3-97E0-54E727197DAE}" type="datetime1">
               <a:rPr lang="ko-KR" altLang="en-US" smtClean="0"/>
-              <a:t>2021-02-17</a:t>
+              <a:t>2021-02-24</a:t>
             </a:fld>
             <a:endParaRPr lang="ko-KR" altLang="en-US"/>
           </a:p>
@@ -1041,7 +1041,7 @@
           <a:p>
             <a:fld id="{1C80B116-56F5-4E7C-97A9-69CE4E632CE4}" type="datetime1">
               <a:rPr lang="ko-KR" altLang="en-US" smtClean="0"/>
-              <a:t>2021-02-17</a:t>
+              <a:t>2021-02-24</a:t>
             </a:fld>
             <a:endParaRPr lang="ko-KR" altLang="en-US"/>
           </a:p>
@@ -1209,7 +1209,7 @@
           <a:p>
             <a:fld id="{6ED7DBB0-BB01-4548-81D9-3F3130DF3CC3}" type="datetime1">
               <a:rPr lang="ko-KR" altLang="en-US" smtClean="0"/>
-              <a:t>2021-02-17</a:t>
+              <a:t>2021-02-24</a:t>
             </a:fld>
             <a:endParaRPr lang="ko-KR" altLang="en-US"/>
           </a:p>
@@ -1454,7 +1454,7 @@
           <a:p>
             <a:fld id="{0B93510A-E3DB-412A-AAE6-0E06186A244C}" type="datetime1">
               <a:rPr lang="ko-KR" altLang="en-US" smtClean="0"/>
-              <a:t>2021-02-17</a:t>
+              <a:t>2021-02-24</a:t>
             </a:fld>
             <a:endParaRPr lang="ko-KR" altLang="en-US"/>
           </a:p>
@@ -1683,7 +1683,7 @@
           <a:p>
             <a:fld id="{F6779D33-68E9-4FD8-A469-30D4CA9F94B5}" type="datetime1">
               <a:rPr lang="ko-KR" altLang="en-US" smtClean="0"/>
-              <a:t>2021-02-17</a:t>
+              <a:t>2021-02-24</a:t>
             </a:fld>
             <a:endParaRPr lang="ko-KR" altLang="en-US"/>
           </a:p>
@@ -2047,7 +2047,7 @@
           <a:p>
             <a:fld id="{84F089A5-944B-4517-BAD7-206C120527F1}" type="datetime1">
               <a:rPr lang="ko-KR" altLang="en-US" smtClean="0"/>
-              <a:t>2021-02-17</a:t>
+              <a:t>2021-02-24</a:t>
             </a:fld>
             <a:endParaRPr lang="ko-KR" altLang="en-US"/>
           </a:p>
@@ -2164,7 +2164,7 @@
           <a:p>
             <a:fld id="{6E3E5F86-A237-4F9A-95B6-253ED6F02E32}" type="datetime1">
               <a:rPr lang="ko-KR" altLang="en-US" smtClean="0"/>
-              <a:t>2021-02-17</a:t>
+              <a:t>2021-02-24</a:t>
             </a:fld>
             <a:endParaRPr lang="ko-KR" altLang="en-US"/>
           </a:p>
@@ -2259,7 +2259,7 @@
           <a:p>
             <a:fld id="{956511ED-03DE-49DC-9BDC-8447A4071D26}" type="datetime1">
               <a:rPr lang="ko-KR" altLang="en-US" smtClean="0"/>
-              <a:t>2021-02-17</a:t>
+              <a:t>2021-02-24</a:t>
             </a:fld>
             <a:endParaRPr lang="ko-KR" altLang="en-US"/>
           </a:p>
@@ -2534,7 +2534,7 @@
           <a:p>
             <a:fld id="{BA1FE746-4A40-4988-A4F2-D1F3C4E6F99F}" type="datetime1">
               <a:rPr lang="ko-KR" altLang="en-US" smtClean="0"/>
-              <a:t>2021-02-17</a:t>
+              <a:t>2021-02-24</a:t>
             </a:fld>
             <a:endParaRPr lang="ko-KR" altLang="en-US"/>
           </a:p>
@@ -2786,7 +2786,7 @@
           <a:p>
             <a:fld id="{560691A1-019B-4B1E-BE62-FBCD9E54135B}" type="datetime1">
               <a:rPr lang="ko-KR" altLang="en-US" smtClean="0"/>
-              <a:t>2021-02-17</a:t>
+              <a:t>2021-02-24</a:t>
             </a:fld>
             <a:endParaRPr lang="ko-KR" altLang="en-US"/>
           </a:p>
@@ -2997,7 +2997,7 @@
           <a:p>
             <a:fld id="{83D9BA10-365D-4050-94E6-76A8862A7970}" type="datetime1">
               <a:rPr lang="ko-KR" altLang="en-US" smtClean="0"/>
-              <a:t>2021-02-17</a:t>
+              <a:t>2021-02-24</a:t>
             </a:fld>
             <a:endParaRPr lang="ko-KR" altLang="en-US"/>
           </a:p>
@@ -3408,7 +3408,7 @@
           <p:cNvPr id="4" name="직사각형 3">
             <a:extLst>
               <a:ext uri="{FF2B5EF4-FFF2-40B4-BE49-F238E27FC236}">
-                <a16:creationId xmlns="" xmlns:a16="http://schemas.microsoft.com/office/drawing/2014/main" id="{DF6E6E2F-1737-4EBF-9FA7-976505666F9F}"/>
+                <a16:creationId xmlns:a16="http://schemas.microsoft.com/office/drawing/2014/main" id="{DF6E6E2F-1737-4EBF-9FA7-976505666F9F}"/>
               </a:ext>
             </a:extLst>
           </p:cNvPr>
@@ -3658,7 +3658,7 @@
           <p:cNvPr id="7" name="직선 연결선 9">
             <a:extLst>
               <a:ext uri="{FF2B5EF4-FFF2-40B4-BE49-F238E27FC236}">
-                <a16:creationId xmlns="" xmlns:a16="http://schemas.microsoft.com/office/drawing/2014/main" id="{62D536A9-4B0D-44AA-9C3E-38C8AA3F73E9}"/>
+                <a16:creationId xmlns:a16="http://schemas.microsoft.com/office/drawing/2014/main" id="{62D536A9-4B0D-44AA-9C3E-38C8AA3F73E9}"/>
               </a:ext>
             </a:extLst>
           </p:cNvPr>
@@ -3812,7 +3812,7 @@
           <p:cNvPr id="11" name="모서리가 둥근 직사각형 6">
             <a:extLst>
               <a:ext uri="{FF2B5EF4-FFF2-40B4-BE49-F238E27FC236}">
-                <a16:creationId xmlns="" xmlns:a16="http://schemas.microsoft.com/office/drawing/2014/main" id="{02652B53-2BD9-46F5-BC4F-C67E2E777657}"/>
+                <a16:creationId xmlns:a16="http://schemas.microsoft.com/office/drawing/2014/main" id="{02652B53-2BD9-46F5-BC4F-C67E2E777657}"/>
               </a:ext>
             </a:extLst>
           </p:cNvPr>
@@ -3872,7 +3872,7 @@
           <p:cNvPr id="14" name="모서리가 둥근 직사각형 15">
             <a:extLst>
               <a:ext uri="{FF2B5EF4-FFF2-40B4-BE49-F238E27FC236}">
-                <a16:creationId xmlns="" xmlns:a16="http://schemas.microsoft.com/office/drawing/2014/main" id="{21490CB4-A151-45CF-82CF-F9E9B10F20D1}"/>
+                <a16:creationId xmlns:a16="http://schemas.microsoft.com/office/drawing/2014/main" id="{21490CB4-A151-45CF-82CF-F9E9B10F20D1}"/>
               </a:ext>
             </a:extLst>
           </p:cNvPr>
@@ -3930,7 +3930,7 @@
           <p:cNvPr id="15" name="TextBox 14">
             <a:extLst>
               <a:ext uri="{FF2B5EF4-FFF2-40B4-BE49-F238E27FC236}">
-                <a16:creationId xmlns="" xmlns:a16="http://schemas.microsoft.com/office/drawing/2014/main" id="{8090DB27-8C25-46EA-A361-857A212ED318}"/>
+                <a16:creationId xmlns:a16="http://schemas.microsoft.com/office/drawing/2014/main" id="{8090DB27-8C25-46EA-A361-857A212ED318}"/>
               </a:ext>
             </a:extLst>
           </p:cNvPr>
@@ -3979,7 +3979,7 @@
           <p:cNvPr id="16" name="TextBox 15">
             <a:extLst>
               <a:ext uri="{FF2B5EF4-FFF2-40B4-BE49-F238E27FC236}">
-                <a16:creationId xmlns="" xmlns:a16="http://schemas.microsoft.com/office/drawing/2014/main" id="{1E140899-300F-406E-A4A3-47ECD645201B}"/>
+                <a16:creationId xmlns:a16="http://schemas.microsoft.com/office/drawing/2014/main" id="{1E140899-300F-406E-A4A3-47ECD645201B}"/>
               </a:ext>
             </a:extLst>
           </p:cNvPr>
@@ -4014,7 +4014,7 @@
           <p:cNvPr id="25" name="TextBox 24">
             <a:extLst>
               <a:ext uri="{FF2B5EF4-FFF2-40B4-BE49-F238E27FC236}">
-                <a16:creationId xmlns="" xmlns:a16="http://schemas.microsoft.com/office/drawing/2014/main" id="{0F27491B-F7A5-45A5-B257-12C866C6A938}"/>
+                <a16:creationId xmlns:a16="http://schemas.microsoft.com/office/drawing/2014/main" id="{0F27491B-F7A5-45A5-B257-12C866C6A938}"/>
               </a:ext>
             </a:extLst>
           </p:cNvPr>
@@ -4055,7 +4055,7 @@
           <p:cNvPr id="26" name="TextBox 25">
             <a:extLst>
               <a:ext uri="{FF2B5EF4-FFF2-40B4-BE49-F238E27FC236}">
-                <a16:creationId xmlns="" xmlns:a16="http://schemas.microsoft.com/office/drawing/2014/main" id="{4BF2059B-E9CE-42AA-B3B2-3796EBC38802}"/>
+                <a16:creationId xmlns:a16="http://schemas.microsoft.com/office/drawing/2014/main" id="{4BF2059B-E9CE-42AA-B3B2-3796EBC38802}"/>
               </a:ext>
             </a:extLst>
           </p:cNvPr>
@@ -4096,7 +4096,7 @@
           <p:cNvPr id="27" name="TextBox 26">
             <a:extLst>
               <a:ext uri="{FF2B5EF4-FFF2-40B4-BE49-F238E27FC236}">
-                <a16:creationId xmlns="" xmlns:a16="http://schemas.microsoft.com/office/drawing/2014/main" id="{9E3658C1-EA3E-40B1-B012-B30EE4A7EE29}"/>
+                <a16:creationId xmlns:a16="http://schemas.microsoft.com/office/drawing/2014/main" id="{9E3658C1-EA3E-40B1-B012-B30EE4A7EE29}"/>
               </a:ext>
             </a:extLst>
           </p:cNvPr>
@@ -4137,7 +4137,7 @@
           <p:cNvPr id="29" name="모서리가 둥근 직사각형 6">
             <a:extLst>
               <a:ext uri="{FF2B5EF4-FFF2-40B4-BE49-F238E27FC236}">
-                <a16:creationId xmlns="" xmlns:a16="http://schemas.microsoft.com/office/drawing/2014/main" id="{5B6EA2B4-B2D9-46A9-99FE-D6C2CEE1368A}"/>
+                <a16:creationId xmlns:a16="http://schemas.microsoft.com/office/drawing/2014/main" id="{5B6EA2B4-B2D9-46A9-99FE-D6C2CEE1368A}"/>
               </a:ext>
             </a:extLst>
           </p:cNvPr>
@@ -4197,7 +4197,7 @@
           <p:cNvPr id="30" name="TextBox 29">
             <a:extLst>
               <a:ext uri="{FF2B5EF4-FFF2-40B4-BE49-F238E27FC236}">
-                <a16:creationId xmlns="" xmlns:a16="http://schemas.microsoft.com/office/drawing/2014/main" id="{317E1C40-AF67-4BA3-A77B-2FFB6089BD2D}"/>
+                <a16:creationId xmlns:a16="http://schemas.microsoft.com/office/drawing/2014/main" id="{317E1C40-AF67-4BA3-A77B-2FFB6089BD2D}"/>
               </a:ext>
             </a:extLst>
           </p:cNvPr>
@@ -4240,7 +4240,7 @@
           <p:cNvPr id="31" name="TextBox 30">
             <a:extLst>
               <a:ext uri="{FF2B5EF4-FFF2-40B4-BE49-F238E27FC236}">
-                <a16:creationId xmlns="" xmlns:a16="http://schemas.microsoft.com/office/drawing/2014/main" id="{BB169E48-39A8-4E29-8561-04A168AB24D6}"/>
+                <a16:creationId xmlns:a16="http://schemas.microsoft.com/office/drawing/2014/main" id="{BB169E48-39A8-4E29-8561-04A168AB24D6}"/>
               </a:ext>
             </a:extLst>
           </p:cNvPr>
@@ -4280,7 +4280,7 @@
           <p:cNvPr id="32" name="모서리가 둥근 직사각형 6">
             <a:extLst>
               <a:ext uri="{FF2B5EF4-FFF2-40B4-BE49-F238E27FC236}">
-                <a16:creationId xmlns="" xmlns:a16="http://schemas.microsoft.com/office/drawing/2014/main" id="{309AC2C7-AD7F-48F9-A2EA-BD27FCC50C6A}"/>
+                <a16:creationId xmlns:a16="http://schemas.microsoft.com/office/drawing/2014/main" id="{309AC2C7-AD7F-48F9-A2EA-BD27FCC50C6A}"/>
               </a:ext>
             </a:extLst>
           </p:cNvPr>
@@ -4340,7 +4340,7 @@
           <p:cNvPr id="33" name="TextBox 32">
             <a:extLst>
               <a:ext uri="{FF2B5EF4-FFF2-40B4-BE49-F238E27FC236}">
-                <a16:creationId xmlns="" xmlns:a16="http://schemas.microsoft.com/office/drawing/2014/main" id="{22C1F8D5-5E3C-4256-B00B-44279575C190}"/>
+                <a16:creationId xmlns:a16="http://schemas.microsoft.com/office/drawing/2014/main" id="{22C1F8D5-5E3C-4256-B00B-44279575C190}"/>
               </a:ext>
             </a:extLst>
           </p:cNvPr>
@@ -4388,7 +4388,7 @@
           <p:cNvPr id="34" name="모서리가 둥근 직사각형 6">
             <a:extLst>
               <a:ext uri="{FF2B5EF4-FFF2-40B4-BE49-F238E27FC236}">
-                <a16:creationId xmlns="" xmlns:a16="http://schemas.microsoft.com/office/drawing/2014/main" id="{AE16CAD3-95DD-43ED-A551-5FB19689966D}"/>
+                <a16:creationId xmlns:a16="http://schemas.microsoft.com/office/drawing/2014/main" id="{AE16CAD3-95DD-43ED-A551-5FB19689966D}"/>
               </a:ext>
             </a:extLst>
           </p:cNvPr>
@@ -4448,7 +4448,7 @@
           <p:cNvPr id="35" name="TextBox 34">
             <a:extLst>
               <a:ext uri="{FF2B5EF4-FFF2-40B4-BE49-F238E27FC236}">
-                <a16:creationId xmlns="" xmlns:a16="http://schemas.microsoft.com/office/drawing/2014/main" id="{861FDAE5-8338-446B-A005-96083E0DD849}"/>
+                <a16:creationId xmlns:a16="http://schemas.microsoft.com/office/drawing/2014/main" id="{861FDAE5-8338-446B-A005-96083E0DD849}"/>
               </a:ext>
             </a:extLst>
           </p:cNvPr>
@@ -4487,7 +4487,7 @@
           <p:cNvPr id="2" name="슬라이드 번호 개체 틀 1">
             <a:extLst>
               <a:ext uri="{FF2B5EF4-FFF2-40B4-BE49-F238E27FC236}">
-                <a16:creationId xmlns="" xmlns:a16="http://schemas.microsoft.com/office/drawing/2014/main" id="{7562C35F-5204-4391-8E95-A0FDEA7A4A71}"/>
+                <a16:creationId xmlns:a16="http://schemas.microsoft.com/office/drawing/2014/main" id="{7562C35F-5204-4391-8E95-A0FDEA7A4A71}"/>
               </a:ext>
             </a:extLst>
           </p:cNvPr>
@@ -5075,7 +5075,7 @@
           <p:cNvPr id="2" name="슬라이드 번호 개체 틀 1">
             <a:extLst>
               <a:ext uri="{FF2B5EF4-FFF2-40B4-BE49-F238E27FC236}">
-                <a16:creationId xmlns="" xmlns:a16="http://schemas.microsoft.com/office/drawing/2014/main" id="{836FB881-5C33-4181-B42A-153632F073B6}"/>
+                <a16:creationId xmlns:a16="http://schemas.microsoft.com/office/drawing/2014/main" id="{836FB881-5C33-4181-B42A-153632F073B6}"/>
               </a:ext>
             </a:extLst>
           </p:cNvPr>
@@ -5219,7 +5219,7 @@
           <p:cNvPr id="11" name="모서리가 둥근 직사각형 6">
             <a:extLst>
               <a:ext uri="{FF2B5EF4-FFF2-40B4-BE49-F238E27FC236}">
-                <a16:creationId xmlns="" xmlns:a16="http://schemas.microsoft.com/office/drawing/2014/main" id="{02652B53-2BD9-46F5-BC4F-C67E2E777657}"/>
+                <a16:creationId xmlns:a16="http://schemas.microsoft.com/office/drawing/2014/main" id="{02652B53-2BD9-46F5-BC4F-C67E2E777657}"/>
               </a:ext>
             </a:extLst>
           </p:cNvPr>
@@ -5413,7 +5413,7 @@
           <p:cNvPr id="14" name="모서리가 둥근 직사각형 15">
             <a:extLst>
               <a:ext uri="{FF2B5EF4-FFF2-40B4-BE49-F238E27FC236}">
-                <a16:creationId xmlns="" xmlns:a16="http://schemas.microsoft.com/office/drawing/2014/main" id="{21490CB4-A151-45CF-82CF-F9E9B10F20D1}"/>
+                <a16:creationId xmlns:a16="http://schemas.microsoft.com/office/drawing/2014/main" id="{21490CB4-A151-45CF-82CF-F9E9B10F20D1}"/>
               </a:ext>
             </a:extLst>
           </p:cNvPr>
@@ -5471,7 +5471,7 @@
           <p:cNvPr id="15" name="TextBox 14">
             <a:extLst>
               <a:ext uri="{FF2B5EF4-FFF2-40B4-BE49-F238E27FC236}">
-                <a16:creationId xmlns="" xmlns:a16="http://schemas.microsoft.com/office/drawing/2014/main" id="{8090DB27-8C25-46EA-A361-857A212ED318}"/>
+                <a16:creationId xmlns:a16="http://schemas.microsoft.com/office/drawing/2014/main" id="{8090DB27-8C25-46EA-A361-857A212ED318}"/>
               </a:ext>
             </a:extLst>
           </p:cNvPr>
@@ -5520,7 +5520,7 @@
           <p:cNvPr id="29" name="모서리가 둥근 직사각형 6">
             <a:extLst>
               <a:ext uri="{FF2B5EF4-FFF2-40B4-BE49-F238E27FC236}">
-                <a16:creationId xmlns="" xmlns:a16="http://schemas.microsoft.com/office/drawing/2014/main" id="{5B6EA2B4-B2D9-46A9-99FE-D6C2CEE1368A}"/>
+                <a16:creationId xmlns:a16="http://schemas.microsoft.com/office/drawing/2014/main" id="{5B6EA2B4-B2D9-46A9-99FE-D6C2CEE1368A}"/>
               </a:ext>
             </a:extLst>
           </p:cNvPr>
@@ -5580,7 +5580,7 @@
           <p:cNvPr id="21" name="TextBox 20">
             <a:extLst>
               <a:ext uri="{FF2B5EF4-FFF2-40B4-BE49-F238E27FC236}">
-                <a16:creationId xmlns="" xmlns:a16="http://schemas.microsoft.com/office/drawing/2014/main" id="{6979D7D4-ED63-461F-AD73-79D7B196344D}"/>
+                <a16:creationId xmlns:a16="http://schemas.microsoft.com/office/drawing/2014/main" id="{6979D7D4-ED63-461F-AD73-79D7B196344D}"/>
               </a:ext>
             </a:extLst>
           </p:cNvPr>
@@ -5631,7 +5631,7 @@
           <p:cNvPr id="2" name="슬라이드 번호 개체 틀 1">
             <a:extLst>
               <a:ext uri="{FF2B5EF4-FFF2-40B4-BE49-F238E27FC236}">
-                <a16:creationId xmlns="" xmlns:a16="http://schemas.microsoft.com/office/drawing/2014/main" id="{71F203B5-21F3-4619-BAF3-2023B86AD6B9}"/>
+                <a16:creationId xmlns:a16="http://schemas.microsoft.com/office/drawing/2014/main" id="{71F203B5-21F3-4619-BAF3-2023B86AD6B9}"/>
               </a:ext>
             </a:extLst>
           </p:cNvPr>
@@ -5775,7 +5775,7 @@
           <p:cNvPr id="8" name="그림 7">
             <a:extLst>
               <a:ext uri="{FF2B5EF4-FFF2-40B4-BE49-F238E27FC236}">
-                <a16:creationId xmlns="" xmlns:a16="http://schemas.microsoft.com/office/drawing/2014/main" id="{BFAA993A-9E6E-447B-9A09-40972B428A82}"/>
+                <a16:creationId xmlns:a16="http://schemas.microsoft.com/office/drawing/2014/main" id="{BFAA993A-9E6E-447B-9A09-40972B428A82}"/>
               </a:ext>
             </a:extLst>
           </p:cNvPr>
@@ -5811,7 +5811,7 @@
           <p:cNvPr id="2" name="슬라이드 번호 개체 틀 1">
             <a:extLst>
               <a:ext uri="{FF2B5EF4-FFF2-40B4-BE49-F238E27FC236}">
-                <a16:creationId xmlns="" xmlns:a16="http://schemas.microsoft.com/office/drawing/2014/main" id="{BA82B019-B843-4FCD-9378-1ED37FE189D7}"/>
+                <a16:creationId xmlns:a16="http://schemas.microsoft.com/office/drawing/2014/main" id="{BA82B019-B843-4FCD-9378-1ED37FE189D7}"/>
               </a:ext>
             </a:extLst>
           </p:cNvPr>
@@ -5958,7 +5958,7 @@
           <p:cNvPr id="11" name="모서리가 둥근 직사각형 6">
             <a:extLst>
               <a:ext uri="{FF2B5EF4-FFF2-40B4-BE49-F238E27FC236}">
-                <a16:creationId xmlns="" xmlns:a16="http://schemas.microsoft.com/office/drawing/2014/main" id="{02652B53-2BD9-46F5-BC4F-C67E2E777657}"/>
+                <a16:creationId xmlns:a16="http://schemas.microsoft.com/office/drawing/2014/main" id="{02652B53-2BD9-46F5-BC4F-C67E2E777657}"/>
               </a:ext>
             </a:extLst>
           </p:cNvPr>
@@ -6252,7 +6252,7 @@
           <p:cNvPr id="14" name="모서리가 둥근 직사각형 15">
             <a:extLst>
               <a:ext uri="{FF2B5EF4-FFF2-40B4-BE49-F238E27FC236}">
-                <a16:creationId xmlns="" xmlns:a16="http://schemas.microsoft.com/office/drawing/2014/main" id="{21490CB4-A151-45CF-82CF-F9E9B10F20D1}"/>
+                <a16:creationId xmlns:a16="http://schemas.microsoft.com/office/drawing/2014/main" id="{21490CB4-A151-45CF-82CF-F9E9B10F20D1}"/>
               </a:ext>
             </a:extLst>
           </p:cNvPr>
@@ -6310,7 +6310,7 @@
           <p:cNvPr id="15" name="TextBox 14">
             <a:extLst>
               <a:ext uri="{FF2B5EF4-FFF2-40B4-BE49-F238E27FC236}">
-                <a16:creationId xmlns="" xmlns:a16="http://schemas.microsoft.com/office/drawing/2014/main" id="{8090DB27-8C25-46EA-A361-857A212ED318}"/>
+                <a16:creationId xmlns:a16="http://schemas.microsoft.com/office/drawing/2014/main" id="{8090DB27-8C25-46EA-A361-857A212ED318}"/>
               </a:ext>
             </a:extLst>
           </p:cNvPr>
@@ -6367,7 +6367,7 @@
           <p:cNvPr id="29" name="모서리가 둥근 직사각형 6">
             <a:extLst>
               <a:ext uri="{FF2B5EF4-FFF2-40B4-BE49-F238E27FC236}">
-                <a16:creationId xmlns="" xmlns:a16="http://schemas.microsoft.com/office/drawing/2014/main" id="{5B6EA2B4-B2D9-46A9-99FE-D6C2CEE1368A}"/>
+                <a16:creationId xmlns:a16="http://schemas.microsoft.com/office/drawing/2014/main" id="{5B6EA2B4-B2D9-46A9-99FE-D6C2CEE1368A}"/>
               </a:ext>
             </a:extLst>
           </p:cNvPr>
@@ -6427,7 +6427,7 @@
           <p:cNvPr id="21" name="TextBox 20">
             <a:extLst>
               <a:ext uri="{FF2B5EF4-FFF2-40B4-BE49-F238E27FC236}">
-                <a16:creationId xmlns="" xmlns:a16="http://schemas.microsoft.com/office/drawing/2014/main" id="{6979D7D4-ED63-461F-AD73-79D7B196344D}"/>
+                <a16:creationId xmlns:a16="http://schemas.microsoft.com/office/drawing/2014/main" id="{6979D7D4-ED63-461F-AD73-79D7B196344D}"/>
               </a:ext>
             </a:extLst>
           </p:cNvPr>
@@ -6516,7 +6516,7 @@
           <p:cNvPr id="2" name="슬라이드 번호 개체 틀 1">
             <a:extLst>
               <a:ext uri="{FF2B5EF4-FFF2-40B4-BE49-F238E27FC236}">
-                <a16:creationId xmlns="" xmlns:a16="http://schemas.microsoft.com/office/drawing/2014/main" id="{96E685E8-7B55-480E-8342-ECEC3C14C2C2}"/>
+                <a16:creationId xmlns:a16="http://schemas.microsoft.com/office/drawing/2014/main" id="{96E685E8-7B55-480E-8342-ECEC3C14C2C2}"/>
               </a:ext>
             </a:extLst>
           </p:cNvPr>
@@ -7352,7 +7352,7 @@
           <p:cNvPr id="5" name="슬라이드 번호 개체 틀 4">
             <a:extLst>
               <a:ext uri="{FF2B5EF4-FFF2-40B4-BE49-F238E27FC236}">
-                <a16:creationId xmlns="" xmlns:a16="http://schemas.microsoft.com/office/drawing/2014/main" id="{C27D19B0-D8E3-4542-B0F8-C2B4648196E7}"/>
+                <a16:creationId xmlns:a16="http://schemas.microsoft.com/office/drawing/2014/main" id="{C27D19B0-D8E3-4542-B0F8-C2B4648196E7}"/>
               </a:ext>
             </a:extLst>
           </p:cNvPr>
@@ -8191,7 +8191,7 @@
           <p:cNvPr id="5" name="슬라이드 번호 개체 틀 4">
             <a:extLst>
               <a:ext uri="{FF2B5EF4-FFF2-40B4-BE49-F238E27FC236}">
-                <a16:creationId xmlns="" xmlns:a16="http://schemas.microsoft.com/office/drawing/2014/main" id="{F2327DA6-2FAB-4669-A0DE-D25BF6C48B88}"/>
+                <a16:creationId xmlns:a16="http://schemas.microsoft.com/office/drawing/2014/main" id="{F2327DA6-2FAB-4669-A0DE-D25BF6C48B88}"/>
               </a:ext>
             </a:extLst>
           </p:cNvPr>
@@ -8874,7 +8874,7 @@
           <p:cNvPr id="6" name="슬라이드 번호 개체 틀 5">
             <a:extLst>
               <a:ext uri="{FF2B5EF4-FFF2-40B4-BE49-F238E27FC236}">
-                <a16:creationId xmlns="" xmlns:a16="http://schemas.microsoft.com/office/drawing/2014/main" id="{054C577D-1052-4BB0-997E-FF5641E632DC}"/>
+                <a16:creationId xmlns:a16="http://schemas.microsoft.com/office/drawing/2014/main" id="{054C577D-1052-4BB0-997E-FF5641E632DC}"/>
               </a:ext>
             </a:extLst>
           </p:cNvPr>
@@ -9392,7 +9392,7 @@
           <p:cNvPr id="6" name="Table 6">
             <a:extLst>
               <a:ext uri="{FF2B5EF4-FFF2-40B4-BE49-F238E27FC236}">
-                <a16:creationId xmlns="" xmlns:a16="http://schemas.microsoft.com/office/drawing/2014/main" id="{D74B10F2-CFC7-444B-A9FB-A604D68711FA}"/>
+                <a16:creationId xmlns:a16="http://schemas.microsoft.com/office/drawing/2014/main" id="{D74B10F2-CFC7-444B-A9FB-A604D68711FA}"/>
               </a:ext>
             </a:extLst>
           </p:cNvPr>
@@ -9402,7 +9402,7 @@
           <p:nvPr>
             <p:extLst>
               <p:ext uri="{D42A27DB-BD31-4B8C-83A1-F6EECF244321}">
-                <p14:modId xmlns:p14="http://schemas.microsoft.com/office/powerpoint/2010/main" val="4221971464"/>
+                <p14:modId xmlns:p14="http://schemas.microsoft.com/office/powerpoint/2010/main" val="2812541158"/>
               </p:ext>
             </p:extLst>
           </p:nvPr>
@@ -9421,63 +9421,63 @@
                 <a:gridCol w="962375">
                   <a:extLst>
                     <a:ext uri="{9D8B030D-6E8A-4147-A177-3AD203B41FA5}">
-                      <a16:colId xmlns="" xmlns:a16="http://schemas.microsoft.com/office/drawing/2014/main" val="2268492683"/>
+                      <a16:colId xmlns:a16="http://schemas.microsoft.com/office/drawing/2014/main" val="2268492683"/>
                     </a:ext>
                   </a:extLst>
                 </a:gridCol>
                 <a:gridCol w="962375">
                   <a:extLst>
                     <a:ext uri="{9D8B030D-6E8A-4147-A177-3AD203B41FA5}">
-                      <a16:colId xmlns="" xmlns:a16="http://schemas.microsoft.com/office/drawing/2014/main" val="1790611346"/>
+                      <a16:colId xmlns:a16="http://schemas.microsoft.com/office/drawing/2014/main" val="1790611346"/>
                     </a:ext>
                   </a:extLst>
                 </a:gridCol>
                 <a:gridCol w="962375">
                   <a:extLst>
                     <a:ext uri="{9D8B030D-6E8A-4147-A177-3AD203B41FA5}">
-                      <a16:colId xmlns="" xmlns:a16="http://schemas.microsoft.com/office/drawing/2014/main" val="3274364265"/>
+                      <a16:colId xmlns:a16="http://schemas.microsoft.com/office/drawing/2014/main" val="3274364265"/>
                     </a:ext>
                   </a:extLst>
                 </a:gridCol>
                 <a:gridCol w="962375">
                   <a:extLst>
                     <a:ext uri="{9D8B030D-6E8A-4147-A177-3AD203B41FA5}">
-                      <a16:colId xmlns="" xmlns:a16="http://schemas.microsoft.com/office/drawing/2014/main" val="4148728156"/>
+                      <a16:colId xmlns:a16="http://schemas.microsoft.com/office/drawing/2014/main" val="4148728156"/>
                     </a:ext>
                   </a:extLst>
                 </a:gridCol>
                 <a:gridCol w="962375">
                   <a:extLst>
                     <a:ext uri="{9D8B030D-6E8A-4147-A177-3AD203B41FA5}">
-                      <a16:colId xmlns="" xmlns:a16="http://schemas.microsoft.com/office/drawing/2014/main" val="1267056360"/>
+                      <a16:colId xmlns:a16="http://schemas.microsoft.com/office/drawing/2014/main" val="1267056360"/>
                     </a:ext>
                   </a:extLst>
                 </a:gridCol>
                 <a:gridCol w="962375">
                   <a:extLst>
                     <a:ext uri="{9D8B030D-6E8A-4147-A177-3AD203B41FA5}">
-                      <a16:colId xmlns="" xmlns:a16="http://schemas.microsoft.com/office/drawing/2014/main" val="2629148486"/>
+                      <a16:colId xmlns:a16="http://schemas.microsoft.com/office/drawing/2014/main" val="2629148486"/>
                     </a:ext>
                   </a:extLst>
                 </a:gridCol>
                 <a:gridCol w="962375">
                   <a:extLst>
                     <a:ext uri="{9D8B030D-6E8A-4147-A177-3AD203B41FA5}">
-                      <a16:colId xmlns="" xmlns:a16="http://schemas.microsoft.com/office/drawing/2014/main" val="4172591845"/>
+                      <a16:colId xmlns:a16="http://schemas.microsoft.com/office/drawing/2014/main" val="4172591845"/>
                     </a:ext>
                   </a:extLst>
                 </a:gridCol>
                 <a:gridCol w="962375">
                   <a:extLst>
                     <a:ext uri="{9D8B030D-6E8A-4147-A177-3AD203B41FA5}">
-                      <a16:colId xmlns="" xmlns:a16="http://schemas.microsoft.com/office/drawing/2014/main" val="1560173640"/>
+                      <a16:colId xmlns:a16="http://schemas.microsoft.com/office/drawing/2014/main" val="1560173640"/>
                     </a:ext>
                   </a:extLst>
                 </a:gridCol>
                 <a:gridCol w="962375">
                   <a:extLst>
                     <a:ext uri="{9D8B030D-6E8A-4147-A177-3AD203B41FA5}">
-                      <a16:colId xmlns="" xmlns:a16="http://schemas.microsoft.com/office/drawing/2014/main" val="860589995"/>
+                      <a16:colId xmlns:a16="http://schemas.microsoft.com/office/drawing/2014/main" val="860589995"/>
                     </a:ext>
                   </a:extLst>
                 </a:gridCol>
@@ -10027,7 +10027,7 @@
                 </a:tc>
                 <a:extLst>
                   <a:ext uri="{0D108BD9-81ED-4DB2-BD59-A6C34878D82A}">
-                    <a16:rowId xmlns="" xmlns:a16="http://schemas.microsoft.com/office/drawing/2014/main" val="3360220592"/>
+                    <a16:rowId xmlns:a16="http://schemas.microsoft.com/office/drawing/2014/main" val="3360220592"/>
                   </a:ext>
                 </a:extLst>
               </a:tr>
@@ -10040,7 +10040,7 @@
                       <a:pPr latinLnBrk="1"/>
                       <a:r>
                         <a:rPr lang="ko-KR" altLang="en-US" sz="900" dirty="0"/>
-                        <a:t>데디케이티드 서버 연동</a:t>
+                        <a:t>리슨 서버 연동</a:t>
                       </a:r>
                     </a:p>
                   </a:txBody>
@@ -10510,7 +10510,7 @@
                 </a:tc>
                 <a:extLst>
                   <a:ext uri="{0D108BD9-81ED-4DB2-BD59-A6C34878D82A}">
-                    <a16:rowId xmlns="" xmlns:a16="http://schemas.microsoft.com/office/drawing/2014/main" val="1758949850"/>
+                    <a16:rowId xmlns:a16="http://schemas.microsoft.com/office/drawing/2014/main" val="1758949850"/>
                   </a:ext>
                 </a:extLst>
               </a:tr>
@@ -10669,7 +10669,7 @@
                       <a:tailEnd type="none" w="med" len="med"/>
                     </a:lnB>
                     <a:solidFill>
-                      <a:schemeClr val="bg1"/>
+                      <a:srgbClr val="F4B183"/>
                     </a:solidFill>
                   </a:tcPr>
                 </a:tc>
@@ -10981,7 +10981,7 @@
                 </a:tc>
                 <a:extLst>
                   <a:ext uri="{0D108BD9-81ED-4DB2-BD59-A6C34878D82A}">
-                    <a16:rowId xmlns="" xmlns:a16="http://schemas.microsoft.com/office/drawing/2014/main" val="1995508575"/>
+                    <a16:rowId xmlns:a16="http://schemas.microsoft.com/office/drawing/2014/main" val="1995508575"/>
                   </a:ext>
                 </a:extLst>
               </a:tr>
@@ -11462,7 +11462,7 @@
                 </a:tc>
                 <a:extLst>
                   <a:ext uri="{0D108BD9-81ED-4DB2-BD59-A6C34878D82A}">
-                    <a16:rowId xmlns="" xmlns:a16="http://schemas.microsoft.com/office/drawing/2014/main" val="4261147708"/>
+                    <a16:rowId xmlns:a16="http://schemas.microsoft.com/office/drawing/2014/main" val="4261147708"/>
                   </a:ext>
                 </a:extLst>
               </a:tr>
@@ -11939,7 +11939,7 @@
                 </a:tc>
                 <a:extLst>
                   <a:ext uri="{0D108BD9-81ED-4DB2-BD59-A6C34878D82A}">
-                    <a16:rowId xmlns="" xmlns:a16="http://schemas.microsoft.com/office/drawing/2014/main" val="282536752"/>
+                    <a16:rowId xmlns:a16="http://schemas.microsoft.com/office/drawing/2014/main" val="282536752"/>
                   </a:ext>
                 </a:extLst>
               </a:tr>
@@ -12413,7 +12413,7 @@
                 </a:tc>
                 <a:extLst>
                   <a:ext uri="{0D108BD9-81ED-4DB2-BD59-A6C34878D82A}">
-                    <a16:rowId xmlns="" xmlns:a16="http://schemas.microsoft.com/office/drawing/2014/main" val="2968374045"/>
+                    <a16:rowId xmlns:a16="http://schemas.microsoft.com/office/drawing/2014/main" val="2968374045"/>
                   </a:ext>
                 </a:extLst>
               </a:tr>
@@ -12890,7 +12890,7 @@
                 </a:tc>
                 <a:extLst>
                   <a:ext uri="{0D108BD9-81ED-4DB2-BD59-A6C34878D82A}">
-                    <a16:rowId xmlns="" xmlns:a16="http://schemas.microsoft.com/office/drawing/2014/main" val="12141958"/>
+                    <a16:rowId xmlns:a16="http://schemas.microsoft.com/office/drawing/2014/main" val="12141958"/>
                   </a:ext>
                 </a:extLst>
               </a:tr>
@@ -13371,7 +13371,7 @@
                 </a:tc>
                 <a:extLst>
                   <a:ext uri="{0D108BD9-81ED-4DB2-BD59-A6C34878D82A}">
-                    <a16:rowId xmlns="" xmlns:a16="http://schemas.microsoft.com/office/drawing/2014/main" val="570751291"/>
+                    <a16:rowId xmlns:a16="http://schemas.microsoft.com/office/drawing/2014/main" val="570751291"/>
                   </a:ext>
                 </a:extLst>
               </a:tr>
@@ -13854,7 +13854,7 @@
                 </a:tc>
                 <a:extLst>
                   <a:ext uri="{0D108BD9-81ED-4DB2-BD59-A6C34878D82A}">
-                    <a16:rowId xmlns="" xmlns:a16="http://schemas.microsoft.com/office/drawing/2014/main" val="1257073459"/>
+                    <a16:rowId xmlns:a16="http://schemas.microsoft.com/office/drawing/2014/main" val="1257073459"/>
                   </a:ext>
                 </a:extLst>
               </a:tr>
@@ -14353,7 +14353,7 @@
                 </a:tc>
                 <a:extLst>
                   <a:ext uri="{0D108BD9-81ED-4DB2-BD59-A6C34878D82A}">
-                    <a16:rowId xmlns="" xmlns:a16="http://schemas.microsoft.com/office/drawing/2014/main" val="3472597660"/>
+                    <a16:rowId xmlns:a16="http://schemas.microsoft.com/office/drawing/2014/main" val="3472597660"/>
                   </a:ext>
                 </a:extLst>
               </a:tr>
@@ -14850,7 +14850,7 @@
                 </a:tc>
                 <a:extLst>
                   <a:ext uri="{0D108BD9-81ED-4DB2-BD59-A6C34878D82A}">
-                    <a16:rowId xmlns="" xmlns:a16="http://schemas.microsoft.com/office/drawing/2014/main" val="13842880"/>
+                    <a16:rowId xmlns:a16="http://schemas.microsoft.com/office/drawing/2014/main" val="13842880"/>
                   </a:ext>
                 </a:extLst>
               </a:tr>
@@ -14863,7 +14863,7 @@
           <p:cNvPr id="2" name="슬라이드 번호 개체 틀 1">
             <a:extLst>
               <a:ext uri="{FF2B5EF4-FFF2-40B4-BE49-F238E27FC236}">
-                <a16:creationId xmlns="" xmlns:a16="http://schemas.microsoft.com/office/drawing/2014/main" id="{32FC5E48-C56B-4414-B934-B4E7CFCA958D}"/>
+                <a16:creationId xmlns:a16="http://schemas.microsoft.com/office/drawing/2014/main" id="{32FC5E48-C56B-4414-B934-B4E7CFCA958D}"/>
               </a:ext>
             </a:extLst>
           </p:cNvPr>
@@ -15055,26 +15055,25 @@
           <a:p>
             <a:pPr algn="ctr"/>
             <a:r>
-              <a:rPr lang="ko-KR" altLang="en-US" sz="800" dirty="0" smtClean="0"/>
+              <a:rPr lang="ko-KR" altLang="en-US" sz="800" dirty="0"/>
               <a:t>플레이어 캐릭터</a:t>
             </a:r>
-            <a:endParaRPr lang="en-US" altLang="ko-KR" sz="800" dirty="0" smtClean="0"/>
+            <a:endParaRPr lang="en-US" altLang="ko-KR" sz="800" dirty="0"/>
           </a:p>
           <a:p>
             <a:pPr algn="ctr"/>
             <a:r>
-              <a:rPr lang="ko-KR" altLang="en-US" sz="800" dirty="0" smtClean="0"/>
+              <a:rPr lang="ko-KR" altLang="en-US" sz="800" dirty="0"/>
               <a:t> 얼굴</a:t>
             </a:r>
             <a:r>
-              <a:rPr lang="en-US" altLang="ko-KR" sz="800" dirty="0" smtClean="0"/>
+              <a:rPr lang="en-US" altLang="ko-KR" sz="800" dirty="0"/>
               <a:t>, </a:t>
             </a:r>
             <a:r>
-              <a:rPr lang="ko-KR" altLang="en-US" sz="800" dirty="0" smtClean="0"/>
+              <a:rPr lang="ko-KR" altLang="en-US" sz="800" dirty="0"/>
               <a:t>암석</a:t>
             </a:r>
-            <a:endParaRPr lang="ko-KR" altLang="en-US" sz="800" dirty="0"/>
           </a:p>
         </p:txBody>
       </p:sp>
@@ -15102,34 +15101,33 @@
           <a:p>
             <a:pPr algn="ctr"/>
             <a:r>
-              <a:rPr lang="ko-KR" altLang="en-US" sz="800" dirty="0" smtClean="0"/>
+              <a:rPr lang="ko-KR" altLang="en-US" sz="800" dirty="0"/>
               <a:t>물약</a:t>
             </a:r>
             <a:r>
-              <a:rPr lang="en-US" altLang="ko-KR" sz="800" dirty="0" smtClean="0"/>
+              <a:rPr lang="en-US" altLang="ko-KR" sz="800" dirty="0"/>
               <a:t>, </a:t>
             </a:r>
             <a:r>
-              <a:rPr lang="ko-KR" altLang="en-US" sz="800" dirty="0" smtClean="0"/>
+              <a:rPr lang="ko-KR" altLang="en-US" sz="800" dirty="0"/>
               <a:t>탄약</a:t>
             </a:r>
             <a:r>
-              <a:rPr lang="en-US" altLang="ko-KR" sz="800" dirty="0" smtClean="0"/>
+              <a:rPr lang="en-US" altLang="ko-KR" sz="800" dirty="0"/>
               <a:t>, </a:t>
             </a:r>
             <a:r>
-              <a:rPr lang="ko-KR" altLang="en-US" sz="800" dirty="0" smtClean="0"/>
+              <a:rPr lang="ko-KR" altLang="en-US" sz="800" dirty="0"/>
               <a:t>보스 캐릭터</a:t>
             </a:r>
-            <a:endParaRPr lang="en-US" altLang="ko-KR" sz="800" dirty="0" smtClean="0"/>
+            <a:endParaRPr lang="en-US" altLang="ko-KR" sz="800" dirty="0"/>
           </a:p>
           <a:p>
             <a:pPr algn="ctr"/>
             <a:r>
-              <a:rPr lang="ko-KR" altLang="en-US" sz="800" dirty="0" smtClean="0"/>
+              <a:rPr lang="ko-KR" altLang="en-US" sz="800" dirty="0"/>
               <a:t> </a:t>
             </a:r>
-            <a:endParaRPr lang="ko-KR" altLang="en-US" sz="800" dirty="0"/>
           </a:p>
         </p:txBody>
       </p:sp>
@@ -15157,18 +15155,17 @@
           <a:p>
             <a:pPr algn="ctr"/>
             <a:r>
-              <a:rPr lang="ko-KR" altLang="en-US" sz="800" dirty="0" smtClean="0"/>
+              <a:rPr lang="ko-KR" altLang="en-US" sz="800" dirty="0"/>
               <a:t>보스캐릭터</a:t>
             </a:r>
             <a:r>
-              <a:rPr lang="en-US" altLang="ko-KR" sz="800" dirty="0" smtClean="0"/>
+              <a:rPr lang="en-US" altLang="ko-KR" sz="800" dirty="0"/>
               <a:t>, </a:t>
             </a:r>
             <a:r>
-              <a:rPr lang="ko-KR" altLang="en-US" sz="800" dirty="0" smtClean="0"/>
+              <a:rPr lang="ko-KR" altLang="en-US" sz="800" dirty="0"/>
               <a:t>플레이어 캐릭터 </a:t>
             </a:r>
-            <a:endParaRPr lang="ko-KR" altLang="en-US" sz="800" dirty="0"/>
           </a:p>
         </p:txBody>
       </p:sp>
@@ -15196,18 +15193,17 @@
           <a:p>
             <a:pPr algn="ctr"/>
             <a:r>
-              <a:rPr lang="ko-KR" altLang="en-US" sz="800" dirty="0" smtClean="0"/>
+              <a:rPr lang="ko-KR" altLang="en-US" sz="800" dirty="0"/>
               <a:t>플레이어 캐릭터</a:t>
             </a:r>
             <a:r>
-              <a:rPr lang="en-US" altLang="ko-KR" sz="800" dirty="0" smtClean="0"/>
+              <a:rPr lang="en-US" altLang="ko-KR" sz="800" dirty="0"/>
               <a:t>, </a:t>
             </a:r>
             <a:r>
-              <a:rPr lang="ko-KR" altLang="en-US" sz="800" dirty="0" smtClean="0"/>
+              <a:rPr lang="ko-KR" altLang="en-US" sz="800" dirty="0"/>
               <a:t>총 </a:t>
             </a:r>
-            <a:endParaRPr lang="ko-KR" altLang="en-US" sz="800" dirty="0"/>
           </a:p>
         </p:txBody>
       </p:sp>
@@ -15235,26 +15231,26 @@
           <a:p>
             <a:pPr algn="ctr"/>
             <a:r>
-              <a:rPr lang="ko-KR" altLang="en-US" sz="700" dirty="0" smtClean="0"/>
+              <a:rPr lang="ko-KR" altLang="en-US" sz="700" dirty="0"/>
               <a:t>보스 캐릭터 </a:t>
             </a:r>
             <a:r>
-              <a:rPr lang="ko-KR" altLang="en-US" sz="700" dirty="0" err="1" smtClean="0"/>
+              <a:rPr lang="ko-KR" altLang="en-US" sz="700" dirty="0" err="1"/>
               <a:t>리깅</a:t>
             </a:r>
             <a:r>
-              <a:rPr lang="en-US" altLang="ko-KR" sz="700" dirty="0" smtClean="0"/>
+              <a:rPr lang="en-US" altLang="ko-KR" sz="700" dirty="0"/>
               <a:t>,</a:t>
             </a:r>
           </a:p>
           <a:p>
             <a:pPr algn="ctr"/>
             <a:r>
-              <a:rPr lang="ko-KR" altLang="en-US" sz="700" dirty="0" smtClean="0"/>
+              <a:rPr lang="ko-KR" altLang="en-US" sz="700" dirty="0"/>
               <a:t>플레이어 캐릭터 </a:t>
             </a:r>
             <a:r>
-              <a:rPr lang="ko-KR" altLang="en-US" sz="700" dirty="0" err="1" smtClean="0"/>
+              <a:rPr lang="ko-KR" altLang="en-US" sz="700" dirty="0" err="1"/>
               <a:t>리깅</a:t>
             </a:r>
             <a:endParaRPr lang="ko-KR" altLang="en-US" sz="700" dirty="0"/>
@@ -15285,7 +15281,7 @@
           <a:p>
             <a:pPr algn="ctr"/>
             <a:r>
-              <a:rPr lang="ko-KR" altLang="en-US" sz="800" smtClean="0"/>
+              <a:rPr lang="ko-KR" altLang="en-US" sz="800"/>
               <a:t>못한 부분 손보기</a:t>
             </a:r>
             <a:endParaRPr lang="ko-KR" altLang="en-US" sz="800" dirty="0"/>
@@ -15315,35 +15311,34 @@
           <a:lstStyle/>
           <a:p>
             <a:pPr algn="ctr"/>
-            <a:endParaRPr lang="en-US" altLang="ko-KR" sz="700" dirty="0" smtClean="0"/>
+            <a:endParaRPr lang="en-US" altLang="ko-KR" sz="700" dirty="0"/>
           </a:p>
           <a:p>
             <a:pPr algn="ctr"/>
             <a:r>
-              <a:rPr lang="ko-KR" altLang="en-US" sz="700" dirty="0" smtClean="0"/>
+              <a:rPr lang="ko-KR" altLang="en-US" sz="700" dirty="0"/>
               <a:t>플레이어 캐릭터 </a:t>
             </a:r>
             <a:r>
-              <a:rPr lang="ko-KR" altLang="en-US" sz="700" dirty="0" err="1" smtClean="0"/>
+              <a:rPr lang="ko-KR" altLang="en-US" sz="700" dirty="0" err="1"/>
               <a:t>리깅</a:t>
             </a:r>
             <a:r>
-              <a:rPr lang="en-US" altLang="ko-KR" sz="700" dirty="0" smtClean="0"/>
+              <a:rPr lang="en-US" altLang="ko-KR" sz="700" dirty="0"/>
               <a:t>, </a:t>
             </a:r>
             <a:r>
-              <a:rPr lang="ko-KR" altLang="en-US" sz="700" dirty="0" smtClean="0"/>
+              <a:rPr lang="ko-KR" altLang="en-US" sz="700" dirty="0"/>
               <a:t>애니메이션 </a:t>
             </a:r>
             <a:r>
-              <a:rPr lang="en-US" altLang="ko-KR" sz="700" dirty="0" smtClean="0"/>
+              <a:rPr lang="en-US" altLang="ko-KR" sz="700" dirty="0"/>
               <a:t>15</a:t>
             </a:r>
             <a:r>
-              <a:rPr lang="ko-KR" altLang="en-US" sz="700" dirty="0" smtClean="0"/>
+              <a:rPr lang="ko-KR" altLang="en-US" sz="700" dirty="0"/>
               <a:t>종 제작</a:t>
             </a:r>
-            <a:endParaRPr lang="ko-KR" altLang="en-US" sz="700" dirty="0"/>
           </a:p>
         </p:txBody>
       </p:sp>
@@ -15405,10 +15400,6 @@
               </a:rPr>
               <a:t>http://www.sisaweek.com/news/articleView.html?idxno=117435</a:t>
             </a:r>
-            <a:r>
-              <a:rPr lang="en-US" altLang="ko-KR" sz="1400" dirty="0"/>
-              <a:t/>
-            </a:r>
             <a:br>
               <a:rPr lang="en-US" altLang="ko-KR" sz="1400" dirty="0"/>
             </a:br>
@@ -16155,17 +16146,9 @@
             <a:br>
               <a:rPr lang="en-US" altLang="ko-KR" sz="1400" dirty="0"/>
             </a:br>
-            <a:r>
-              <a:rPr lang="en-US" altLang="ko-KR" sz="1400" dirty="0"/>
-              <a:t/>
-            </a:r>
             <a:br>
               <a:rPr lang="en-US" altLang="ko-KR" sz="1400" dirty="0"/>
             </a:br>
-            <a:r>
-              <a:rPr lang="en-US" altLang="ko-KR" sz="1400" dirty="0"/>
-              <a:t/>
-            </a:r>
             <a:br>
               <a:rPr lang="en-US" altLang="ko-KR" sz="1400" dirty="0"/>
             </a:br>
@@ -16203,10 +16186,6 @@
             </a:r>
           </a:p>
           <a:p>
-            <a:r>
-              <a:rPr lang="en-US" altLang="ko-KR" sz="1400" dirty="0"/>
-              <a:t/>
-            </a:r>
             <a:br>
               <a:rPr lang="en-US" altLang="ko-KR" sz="1400" dirty="0"/>
             </a:br>
@@ -16237,7 +16216,7 @@
           <p:cNvPr id="4" name="슬라이드 번호 개체 틀 3">
             <a:extLst>
               <a:ext uri="{FF2B5EF4-FFF2-40B4-BE49-F238E27FC236}">
-                <a16:creationId xmlns="" xmlns:a16="http://schemas.microsoft.com/office/drawing/2014/main" id="{E356B0E0-6C9C-4638-86B0-1E43AE0A8C62}"/>
+                <a16:creationId xmlns:a16="http://schemas.microsoft.com/office/drawing/2014/main" id="{E356B0E0-6C9C-4638-86B0-1E43AE0A8C62}"/>
               </a:ext>
             </a:extLst>
           </p:cNvPr>
@@ -16485,7 +16464,7 @@
           <p:cNvPr id="3" name="슬라이드 번호 개체 틀 2">
             <a:extLst>
               <a:ext uri="{FF2B5EF4-FFF2-40B4-BE49-F238E27FC236}">
-                <a16:creationId xmlns="" xmlns:a16="http://schemas.microsoft.com/office/drawing/2014/main" id="{BD983AEB-50C6-48D8-9DD9-5A5AE9C1B1BE}"/>
+                <a16:creationId xmlns:a16="http://schemas.microsoft.com/office/drawing/2014/main" id="{BD983AEB-50C6-48D8-9DD9-5A5AE9C1B1BE}"/>
               </a:ext>
             </a:extLst>
           </p:cNvPr>
@@ -16730,7 +16709,7 @@
           <p:cNvPr id="2" name="슬라이드 번호 개체 틀 1">
             <a:extLst>
               <a:ext uri="{FF2B5EF4-FFF2-40B4-BE49-F238E27FC236}">
-                <a16:creationId xmlns="" xmlns:a16="http://schemas.microsoft.com/office/drawing/2014/main" id="{87CD852B-E3B8-42B9-A366-4CC03E21FA5A}"/>
+                <a16:creationId xmlns:a16="http://schemas.microsoft.com/office/drawing/2014/main" id="{87CD852B-E3B8-42B9-A366-4CC03E21FA5A}"/>
               </a:ext>
             </a:extLst>
           </p:cNvPr>
@@ -17818,7 +17797,7 @@
           <p:cNvPr id="38" name="모서리가 둥근 직사각형 22">
             <a:extLst>
               <a:ext uri="{FF2B5EF4-FFF2-40B4-BE49-F238E27FC236}">
-                <a16:creationId xmlns="" xmlns:a16="http://schemas.microsoft.com/office/drawing/2014/main" id="{9668E119-DF15-4413-AAB5-A71FF963D6BE}"/>
+                <a16:creationId xmlns:a16="http://schemas.microsoft.com/office/drawing/2014/main" id="{9668E119-DF15-4413-AAB5-A71FF963D6BE}"/>
               </a:ext>
             </a:extLst>
           </p:cNvPr>
@@ -17876,7 +17855,7 @@
           <p:cNvPr id="39" name="TextBox 38">
             <a:extLst>
               <a:ext uri="{FF2B5EF4-FFF2-40B4-BE49-F238E27FC236}">
-                <a16:creationId xmlns="" xmlns:a16="http://schemas.microsoft.com/office/drawing/2014/main" id="{F9216014-290A-4B8B-BCCB-EFE198EC7EDA}"/>
+                <a16:creationId xmlns:a16="http://schemas.microsoft.com/office/drawing/2014/main" id="{F9216014-290A-4B8B-BCCB-EFE198EC7EDA}"/>
               </a:ext>
             </a:extLst>
           </p:cNvPr>
@@ -17920,7 +17899,7 @@
           <p:cNvPr id="40" name="모서리가 둥근 직사각형 24">
             <a:extLst>
               <a:ext uri="{FF2B5EF4-FFF2-40B4-BE49-F238E27FC236}">
-                <a16:creationId xmlns="" xmlns:a16="http://schemas.microsoft.com/office/drawing/2014/main" id="{1ED9C838-2C83-45A5-8CBC-A9A014AE5A6D}"/>
+                <a16:creationId xmlns:a16="http://schemas.microsoft.com/office/drawing/2014/main" id="{1ED9C838-2C83-45A5-8CBC-A9A014AE5A6D}"/>
               </a:ext>
             </a:extLst>
           </p:cNvPr>
@@ -17980,7 +17959,7 @@
           <p:cNvPr id="41" name="TextBox 40">
             <a:extLst>
               <a:ext uri="{FF2B5EF4-FFF2-40B4-BE49-F238E27FC236}">
-                <a16:creationId xmlns="" xmlns:a16="http://schemas.microsoft.com/office/drawing/2014/main" id="{A14FEE75-F149-4453-B94D-9E0850445497}"/>
+                <a16:creationId xmlns:a16="http://schemas.microsoft.com/office/drawing/2014/main" id="{A14FEE75-F149-4453-B94D-9E0850445497}"/>
               </a:ext>
             </a:extLst>
           </p:cNvPr>
@@ -18020,7 +17999,7 @@
           <p:cNvPr id="2" name="슬라이드 번호 개체 틀 1">
             <a:extLst>
               <a:ext uri="{FF2B5EF4-FFF2-40B4-BE49-F238E27FC236}">
-                <a16:creationId xmlns="" xmlns:a16="http://schemas.microsoft.com/office/drawing/2014/main" id="{6EEF7330-247A-4C54-B415-D8CD88016A6B}"/>
+                <a16:creationId xmlns:a16="http://schemas.microsoft.com/office/drawing/2014/main" id="{6EEF7330-247A-4C54-B415-D8CD88016A6B}"/>
               </a:ext>
             </a:extLst>
           </p:cNvPr>
@@ -23405,7 +23384,7 @@
           <p:cNvPr id="4" name="슬라이드 번호 개체 틀 3">
             <a:extLst>
               <a:ext uri="{FF2B5EF4-FFF2-40B4-BE49-F238E27FC236}">
-                <a16:creationId xmlns="" xmlns:a16="http://schemas.microsoft.com/office/drawing/2014/main" id="{1DD317E3-B486-4C56-B1CC-3B8D454530F9}"/>
+                <a16:creationId xmlns:a16="http://schemas.microsoft.com/office/drawing/2014/main" id="{1DD317E3-B486-4C56-B1CC-3B8D454530F9}"/>
               </a:ext>
             </a:extLst>
           </p:cNvPr>
@@ -24427,7 +24406,7 @@
           <p:cNvPr id="2" name="슬라이드 번호 개체 틀 1">
             <a:extLst>
               <a:ext uri="{FF2B5EF4-FFF2-40B4-BE49-F238E27FC236}">
-                <a16:creationId xmlns="" xmlns:a16="http://schemas.microsoft.com/office/drawing/2014/main" id="{1743D1F0-8623-46FE-9C3D-E8D965F5C352}"/>
+                <a16:creationId xmlns:a16="http://schemas.microsoft.com/office/drawing/2014/main" id="{1743D1F0-8623-46FE-9C3D-E8D965F5C352}"/>
               </a:ext>
             </a:extLst>
           </p:cNvPr>
@@ -25085,7 +25064,7 @@
           <p:cNvPr id="2" name="슬라이드 번호 개체 틀 1">
             <a:extLst>
               <a:ext uri="{FF2B5EF4-FFF2-40B4-BE49-F238E27FC236}">
-                <a16:creationId xmlns="" xmlns:a16="http://schemas.microsoft.com/office/drawing/2014/main" id="{A90C22E5-E540-49A1-A64A-8C530D71F05C}"/>
+                <a16:creationId xmlns:a16="http://schemas.microsoft.com/office/drawing/2014/main" id="{A90C22E5-E540-49A1-A64A-8C530D71F05C}"/>
               </a:ext>
             </a:extLst>
           </p:cNvPr>
@@ -26231,7 +26210,7 @@
           <p:cNvPr id="2" name="슬라이드 번호 개체 틀 1">
             <a:extLst>
               <a:ext uri="{FF2B5EF4-FFF2-40B4-BE49-F238E27FC236}">
-                <a16:creationId xmlns="" xmlns:a16="http://schemas.microsoft.com/office/drawing/2014/main" id="{92B008AD-621B-4244-A68B-98B13DFA62BB}"/>
+                <a16:creationId xmlns:a16="http://schemas.microsoft.com/office/drawing/2014/main" id="{92B008AD-621B-4244-A68B-98B13DFA62BB}"/>
               </a:ext>
             </a:extLst>
           </p:cNvPr>
@@ -27299,7 +27278,7 @@
           <p:cNvPr id="2" name="슬라이드 번호 개체 틀 1">
             <a:extLst>
               <a:ext uri="{FF2B5EF4-FFF2-40B4-BE49-F238E27FC236}">
-                <a16:creationId xmlns="" xmlns:a16="http://schemas.microsoft.com/office/drawing/2014/main" id="{902B6F96-4F81-4D08-B929-B5A193CED8DB}"/>
+                <a16:creationId xmlns:a16="http://schemas.microsoft.com/office/drawing/2014/main" id="{902B6F96-4F81-4D08-B929-B5A193CED8DB}"/>
               </a:ext>
             </a:extLst>
           </p:cNvPr>
